--- a/lectures3/Pythonlearn-04-Functions-PL.pptx
+++ b/lectures3/Pythonlearn-04-Functions-PL.pptx
@@ -4969,7 +4969,7 @@
               <a:buNone/>
             </a:pPr>
             <a:r>
-              <a:rPr lang="pl" sz="7600" b="0" i="0" u="none" strike="noStrike" cap="none" baseline="0">
+              <a:rPr lang="pl" sz="7600" b="0" i="0" u="none" strike="noStrike" cap="none" baseline="0" dirty="0">
                 <a:solidFill>
                   <a:srgbClr val="FFD966"/>
                 </a:solidFill>

--- a/lectures3/Pythonlearn-04-Functions-PL.pptx
+++ b/lectures3/Pythonlearn-04-Functions-PL.pptx
@@ -569,16 +569,74 @@
               <a:spcBef>
                 <a:spcPts val="0"/>
               </a:spcBef>
-              <a:buNone/>
-            </a:pPr>
-            <a:r>
-              <a:rPr lang="pl" b="0" i="0" u="none" baseline="0">
+              <a:buClr>
+                <a:schemeClr val="dk2"/>
+              </a:buClr>
+              <a:buSzPct val="78571"/>
+              <a:buFont typeface="Arial"/>
+              <a:buNone/>
+            </a:pPr>
+            <a:r>
+              <a:rPr lang="pl" b="0" i="0" u="none" baseline="0" dirty="0">
                 <a:solidFill>
                   <a:schemeClr val="dk2"/>
                 </a:solidFill>
               </a:rPr>
-              <a:t>Notka od Chucka  Używając tych materiałów masz prawo usunąć logo UM i zastąpić je własnym ale zostaw proszę logo CC-BY na pierwszej stronie oraz całą ostatnią stronę.</a:t>
-            </a:r>
+              <a:t>Notka od Chucka</a:t>
+            </a:r>
+            <a:r>
+              <a:rPr lang="en-US" b="0" i="0" u="none" baseline="0" dirty="0">
+                <a:solidFill>
+                  <a:schemeClr val="dk2"/>
+                </a:solidFill>
+              </a:rPr>
+              <a:t>:</a:t>
+            </a:r>
+            <a:r>
+              <a:rPr lang="pl" b="0" i="0" u="none" baseline="0" dirty="0">
+                <a:solidFill>
+                  <a:schemeClr val="dk2"/>
+                </a:solidFill>
+              </a:rPr>
+              <a:t> </a:t>
+            </a:r>
+            <a:r>
+              <a:rPr lang="en-US" b="0" i="0" u="none" baseline="0" dirty="0" err="1">
+                <a:solidFill>
+                  <a:schemeClr val="dk2"/>
+                </a:solidFill>
+              </a:rPr>
+              <a:t>uż</a:t>
+            </a:r>
+            <a:r>
+              <a:rPr lang="pl" b="0" i="0" u="none" baseline="0" dirty="0">
+                <a:solidFill>
+                  <a:schemeClr val="dk2"/>
+                </a:solidFill>
+              </a:rPr>
+              <a:t>ywając tych materiałów masz prawo usunąć logo UM i zastąpić je własnym</a:t>
+            </a:r>
+            <a:r>
+              <a:rPr lang="en-US" b="0" i="0" u="none" baseline="0" dirty="0">
+                <a:solidFill>
+                  <a:schemeClr val="dk2"/>
+                </a:solidFill>
+              </a:rPr>
+              <a:t>,</a:t>
+            </a:r>
+            <a:r>
+              <a:rPr lang="pl" b="0" i="0" u="none" baseline="0" dirty="0">
+                <a:solidFill>
+                  <a:schemeClr val="dk2"/>
+                </a:solidFill>
+              </a:rPr>
+              <a:t> ale zostaw proszę logo CC-BY na pierwszej stronie oraz strony z podziękowaniami dla współtwórców.</a:t>
+            </a:r>
+            <a:endParaRPr lang="pl" dirty="0">
+              <a:solidFill>
+                <a:schemeClr val="dk2"/>
+              </a:solidFill>
+            </a:endParaRPr>
           </a:p>
         </p:txBody>
       </p:sp>
@@ -16972,7 +17030,7 @@
               <a:buChar char="•"/>
             </a:pPr>
             <a:r>
-              <a:rPr lang="pl" sz="3600" b="0" i="0" u="none" strike="noStrike" cap="none" baseline="0">
+              <a:rPr lang="pl" sz="3600" b="0" i="0" u="none" strike="noStrike" cap="none" baseline="0" dirty="0">
                 <a:solidFill>
                   <a:schemeClr val="lt1"/>
                 </a:solidFill>
@@ -17003,7 +17061,7 @@
               <a:buChar char="•"/>
             </a:pPr>
             <a:r>
-              <a:rPr lang="pl" sz="3600" b="0" i="0" u="none" strike="noStrike" cap="none" baseline="0">
+              <a:rPr lang="pl" sz="3600" b="0" i="0" u="none" strike="noStrike" cap="none" baseline="0" dirty="0">
                 <a:solidFill>
                   <a:schemeClr val="lt1"/>
                 </a:solidFill>
@@ -17031,7 +17089,7 @@
               <a:buChar char="•"/>
             </a:pPr>
             <a:r>
-              <a:rPr lang="pl" sz="3600" b="0" i="0" u="none" baseline="0">
+              <a:rPr lang="pl" sz="3600" b="0" i="0" u="none" baseline="0" dirty="0">
                 <a:solidFill>
                   <a:schemeClr val="lt1"/>
                 </a:solidFill>
@@ -17059,16 +17117,28 @@
               <a:buChar char="•"/>
             </a:pPr>
             <a:r>
-              <a:rPr lang="pl" sz="3600" b="0" i="0" u="none" baseline="0">
-                <a:solidFill>
-                  <a:schemeClr val="lt1"/>
-                </a:solidFill>
-                <a:latin typeface="Arial" charset="0"/>
-                <a:ea typeface="Arial" charset="0"/>
-                <a:cs typeface="Arial" charset="0"/>
-                <a:sym typeface="Cabin"/>
-              </a:rPr>
-              <a:t>Konwersje ciągów znaków</a:t>
+              <a:rPr lang="pl" sz="3600" b="0" i="0" u="none" baseline="0" dirty="0">
+                <a:solidFill>
+                  <a:schemeClr val="lt1"/>
+                </a:solidFill>
+                <a:latin typeface="Arial" charset="0"/>
+                <a:ea typeface="Arial" charset="0"/>
+                <a:cs typeface="Arial" charset="0"/>
+                <a:sym typeface="Cabin"/>
+              </a:rPr>
+              <a:t>Konwersje </a:t>
+            </a:r>
+            <a:r>
+              <a:rPr lang="en-US" sz="3600" b="0" i="0" u="none" baseline="0" dirty="0" err="1">
+                <a:solidFill>
+                  <a:schemeClr val="lt1"/>
+                </a:solidFill>
+                <a:latin typeface="Arial" charset="0"/>
+                <a:ea typeface="Arial" charset="0"/>
+                <a:cs typeface="Arial" charset="0"/>
+                <a:sym typeface="Cabin"/>
+              </a:rPr>
+              <a:t>napisów</a:t>
             </a:r>
             <a:endParaRPr lang="pl" sz="3600" u="none" strike="noStrike" cap="none" dirty="0">
               <a:solidFill>
@@ -17099,7 +17169,7 @@
               <a:buChar char="•"/>
             </a:pPr>
             <a:r>
-              <a:rPr lang="pl" sz="3600" b="0" i="0" u="none" baseline="0">
+              <a:rPr lang="pl" sz="3600" b="0" i="0" u="none" baseline="0" dirty="0">
                 <a:solidFill>
                   <a:schemeClr val="lt1"/>
                 </a:solidFill>
@@ -23002,8 +23072,29 @@
                 <a:cs typeface="Arial" charset="0"/>
                 <a:sym typeface="Cabin"/>
               </a:rPr>
-              <a:t>Konwersje ciągów znaków</a:t>
-            </a:r>
+              <a:t>Konwersje </a:t>
+            </a:r>
+            <a:r>
+              <a:rPr lang="en-US" sz="7600" b="0" i="0" u="none" strike="noStrike" cap="none" baseline="0" dirty="0" err="1">
+                <a:solidFill>
+                  <a:srgbClr val="FFD966"/>
+                </a:solidFill>
+                <a:latin typeface="Arial" charset="0"/>
+                <a:ea typeface="Arial" charset="0"/>
+                <a:cs typeface="Arial" charset="0"/>
+                <a:sym typeface="Cabin"/>
+              </a:rPr>
+              <a:t>napisów</a:t>
+            </a:r>
+            <a:endParaRPr lang="pl" sz="7600" b="0" i="0" u="none" strike="noStrike" cap="none" baseline="0" dirty="0">
+              <a:solidFill>
+                <a:srgbClr val="FFD966"/>
+              </a:solidFill>
+              <a:latin typeface="Arial" charset="0"/>
+              <a:ea typeface="Arial" charset="0"/>
+              <a:cs typeface="Arial" charset="0"/>
+              <a:sym typeface="Cabin"/>
+            </a:endParaRPr>
           </a:p>
         </p:txBody>
       </p:sp>
@@ -23111,7 +23202,31 @@
                 <a:cs typeface="Arial" charset="0"/>
                 <a:sym typeface="Cabin"/>
               </a:rPr>
-              <a:t> do konwersji pomiędzy ciągiem a liczbą całkowitą</a:t>
+              <a:t> do konwersji pomiędzy </a:t>
+            </a:r>
+            <a:r>
+              <a:rPr lang="pl-PL" sz="3600" b="0" i="0" u="none" strike="noStrike" cap="none" baseline="0" dirty="0">
+                <a:solidFill>
+                  <a:schemeClr val="lt1"/>
+                </a:solidFill>
+                <a:latin typeface="Arial" charset="0"/>
+                <a:ea typeface="Arial" charset="0"/>
+                <a:cs typeface="Arial" charset="0"/>
+                <a:sym typeface="Cabin"/>
+              </a:rPr>
+              <a:t>napisem</a:t>
+            </a:r>
+            <a:r>
+              <a:rPr lang="pl" sz="3600" b="0" i="0" u="none" strike="noStrike" cap="none" baseline="0" dirty="0">
+                <a:solidFill>
+                  <a:schemeClr val="lt1"/>
+                </a:solidFill>
+                <a:latin typeface="Arial" charset="0"/>
+                <a:ea typeface="Arial" charset="0"/>
+                <a:cs typeface="Arial" charset="0"/>
+                <a:sym typeface="Cabin"/>
+              </a:rPr>
+              <a:t> a liczbą</a:t>
             </a:r>
           </a:p>
           <a:p>
@@ -23178,7 +23293,31 @@
                 <a:cs typeface="Arial" charset="0"/>
                 <a:sym typeface="Cabin"/>
               </a:rPr>
-              <a:t> jeśli ciąg nie zawiera cyfr</a:t>
+              <a:t> jeśli </a:t>
+            </a:r>
+            <a:r>
+              <a:rPr lang="pl-PL" sz="3600" b="0" i="0" u="none" strike="noStrike" cap="none" baseline="0" dirty="0">
+                <a:solidFill>
+                  <a:schemeClr val="lt1"/>
+                </a:solidFill>
+                <a:latin typeface="Arial" charset="0"/>
+                <a:ea typeface="Arial" charset="0"/>
+                <a:cs typeface="Arial" charset="0"/>
+                <a:sym typeface="Cabin"/>
+              </a:rPr>
+              <a:t>napis</a:t>
+            </a:r>
+            <a:r>
+              <a:rPr lang="pl" sz="3600" b="0" i="0" u="none" strike="noStrike" cap="none" baseline="0" dirty="0">
+                <a:solidFill>
+                  <a:schemeClr val="lt1"/>
+                </a:solidFill>
+                <a:latin typeface="Arial" charset="0"/>
+                <a:ea typeface="Arial" charset="0"/>
+                <a:cs typeface="Arial" charset="0"/>
+                <a:sym typeface="Cabin"/>
+              </a:rPr>
+              <a:t> nie zawiera cyfr</a:t>
             </a:r>
           </a:p>
         </p:txBody>
